--- a/material.pptx
+++ b/material.pptx
@@ -106,6 +106,11 @@
       </a:defRPr>
     </a:lvl9pPr>
   </p:defaultTextStyle>
+  <p:extLst>
+    <p:ext uri="{EFAFB233-063F-42B5-8137-9DF3F51BA10A}">
+      <p15:sldGuideLst xmlns:p15="http://schemas.microsoft.com/office/powerpoint/2012/main"/>
+    </p:ext>
+  </p:extLst>
 </p:presentation>
 </file>
 
@@ -931,20 +936,20 @@
       </dgm:t>
     </dgm:pt>
     <dgm:pt modelId="{BA2E4306-E7DF-364D-9915-4801E1F971F5}">
-      <dgm:prSet phldrT="[文字]"/>
+      <dgm:prSet phldrT="[文字]" custT="1"/>
       <dgm:spPr/>
       <dgm:t>
         <a:bodyPr/>
         <a:lstStyle/>
         <a:p>
           <a:r>
-            <a:rPr lang="en-US" altLang="zh-TW" dirty="0">
+            <a:rPr lang="en-US" altLang="zh-TW" sz="1050" dirty="0">
               <a:latin typeface="Roboto" pitchFamily="2" charset="0"/>
               <a:ea typeface="Roboto" pitchFamily="2" charset="0"/>
             </a:rPr>
-            <a:t>RFM and other features </a:t>
+            <a:t>Individual-based data with RFM and other features </a:t>
           </a:r>
-          <a:endParaRPr lang="zh-TW" altLang="en-US" dirty="0">
+          <a:endParaRPr lang="zh-TW" altLang="en-US" sz="1050" dirty="0">
             <a:latin typeface="Roboto" pitchFamily="2" charset="0"/>
           </a:endParaRPr>
         </a:p>
@@ -957,40 +962,40 @@
         <a:bodyPr/>
         <a:lstStyle/>
         <a:p>
-          <a:endParaRPr lang="zh-TW" altLang="en-US">
+          <a:endParaRPr lang="zh-TW" altLang="en-US" sz="1050">
             <a:latin typeface="Roboto" pitchFamily="2" charset="0"/>
           </a:endParaRPr>
         </a:p>
       </dgm:t>
     </dgm:pt>
     <dgm:pt modelId="{414FE088-780A-7D4F-8E01-3439D17779CA}" type="sibTrans" cxnId="{5C7EA718-347B-B843-952C-C6894E9D93BF}">
-      <dgm:prSet/>
+      <dgm:prSet custT="1"/>
       <dgm:spPr/>
       <dgm:t>
         <a:bodyPr/>
         <a:lstStyle/>
         <a:p>
-          <a:endParaRPr lang="zh-TW" altLang="en-US">
+          <a:endParaRPr lang="zh-TW" altLang="en-US" sz="1050">
             <a:latin typeface="Roboto" pitchFamily="2" charset="0"/>
           </a:endParaRPr>
         </a:p>
       </dgm:t>
     </dgm:pt>
     <dgm:pt modelId="{BEAA1EF2-0FF6-BA49-8BFB-B3D9571BD781}">
-      <dgm:prSet phldrT="[文字]"/>
+      <dgm:prSet phldrT="[文字]" custT="1"/>
       <dgm:spPr/>
       <dgm:t>
         <a:bodyPr/>
         <a:lstStyle/>
         <a:p>
           <a:r>
-            <a:rPr lang="en-US" altLang="zh-TW" dirty="0">
+            <a:rPr lang="en-US" altLang="zh-TW" sz="1050" dirty="0">
               <a:latin typeface="Roboto" pitchFamily="2" charset="0"/>
               <a:ea typeface="Roboto" pitchFamily="2" charset="0"/>
             </a:rPr>
-            <a:t>Individual data of existing customers       </a:t>
+            <a:t>Old customers data       </a:t>
           </a:r>
-          <a:endParaRPr lang="zh-TW" altLang="en-US" dirty="0">
+          <a:endParaRPr lang="zh-TW" altLang="en-US" sz="1050" dirty="0">
             <a:latin typeface="Roboto" pitchFamily="2" charset="0"/>
           </a:endParaRPr>
         </a:p>
@@ -1003,34 +1008,34 @@
         <a:bodyPr/>
         <a:lstStyle/>
         <a:p>
-          <a:endParaRPr lang="zh-TW" altLang="en-US">
+          <a:endParaRPr lang="zh-TW" altLang="en-US" sz="1050">
             <a:latin typeface="Roboto" pitchFamily="2" charset="0"/>
           </a:endParaRPr>
         </a:p>
       </dgm:t>
     </dgm:pt>
     <dgm:pt modelId="{DF7F3692-D6A7-034B-B775-48D759066F80}" type="sibTrans" cxnId="{480146CF-5A33-3B49-A26D-EFABEBA955EC}">
-      <dgm:prSet/>
+      <dgm:prSet custT="1"/>
       <dgm:spPr/>
       <dgm:t>
         <a:bodyPr/>
         <a:lstStyle/>
         <a:p>
-          <a:endParaRPr lang="zh-TW" altLang="en-US">
+          <a:endParaRPr lang="zh-TW" altLang="en-US" sz="1050">
             <a:latin typeface="Roboto" pitchFamily="2" charset="0"/>
           </a:endParaRPr>
         </a:p>
       </dgm:t>
     </dgm:pt>
     <dgm:pt modelId="{BD6E1FDA-1783-E545-B71F-CEEA3D46DFAD}">
-      <dgm:prSet phldrT="[文字]"/>
+      <dgm:prSet phldrT="[文字]" custT="1"/>
       <dgm:spPr/>
       <dgm:t>
         <a:bodyPr/>
         <a:lstStyle/>
         <a:p>
           <a:r>
-            <a:rPr lang="en-US" altLang="zh-TW" dirty="0">
+            <a:rPr lang="en-US" altLang="zh-TW" sz="1050" dirty="0">
               <a:latin typeface="Roboto" pitchFamily="2" charset="0"/>
               <a:ea typeface="Roboto" pitchFamily="2" charset="0"/>
             </a:rPr>
@@ -1039,14 +1044,14 @@
         </a:p>
         <a:p>
           <a:r>
-            <a:rPr lang="en-US" altLang="zh-TW" dirty="0">
+            <a:rPr lang="en-US" altLang="zh-TW" sz="1050" dirty="0">
               <a:latin typeface="Roboto" pitchFamily="2" charset="0"/>
               <a:ea typeface="Roboto" pitchFamily="2" charset="0"/>
               <a:sym typeface="Wingdings" pitchFamily="2" charset="2"/>
             </a:rPr>
             <a:t> RT Ratio</a:t>
           </a:r>
-          <a:endParaRPr lang="zh-TW" altLang="en-US" dirty="0">
+          <a:endParaRPr lang="zh-TW" altLang="en-US" sz="1050" dirty="0">
             <a:latin typeface="Roboto" pitchFamily="2" charset="0"/>
           </a:endParaRPr>
         </a:p>
@@ -1059,40 +1064,40 @@
         <a:bodyPr/>
         <a:lstStyle/>
         <a:p>
-          <a:endParaRPr lang="zh-TW" altLang="en-US">
+          <a:endParaRPr lang="zh-TW" altLang="en-US" sz="1050">
             <a:latin typeface="Roboto" pitchFamily="2" charset="0"/>
           </a:endParaRPr>
         </a:p>
       </dgm:t>
     </dgm:pt>
     <dgm:pt modelId="{6921CDA8-0B58-E34A-BC85-ADBA0FC3549E}" type="sibTrans" cxnId="{82CBE23B-85CE-994D-BB81-2B12900A7D35}">
-      <dgm:prSet/>
+      <dgm:prSet custT="1"/>
       <dgm:spPr/>
       <dgm:t>
         <a:bodyPr/>
         <a:lstStyle/>
         <a:p>
-          <a:endParaRPr lang="zh-TW" altLang="en-US">
+          <a:endParaRPr lang="zh-TW" altLang="en-US" sz="1050">
             <a:latin typeface="Roboto" pitchFamily="2" charset="0"/>
           </a:endParaRPr>
         </a:p>
       </dgm:t>
     </dgm:pt>
     <dgm:pt modelId="{67AD8EC8-E35C-EE43-B9AE-F3F4FFF2963A}">
-      <dgm:prSet/>
+      <dgm:prSet custT="1"/>
       <dgm:spPr/>
       <dgm:t>
         <a:bodyPr/>
         <a:lstStyle/>
         <a:p>
           <a:r>
-            <a:rPr lang="en-US" altLang="zh-TW" dirty="0">
+            <a:rPr lang="en-US" altLang="zh-TW" sz="1050" dirty="0">
               <a:latin typeface="Roboto" pitchFamily="2" charset="0"/>
               <a:ea typeface="Roboto" pitchFamily="2" charset="0"/>
             </a:rPr>
             <a:t>The probability of new customers being alive</a:t>
           </a:r>
-          <a:endParaRPr lang="zh-TW" altLang="en-US" dirty="0">
+          <a:endParaRPr lang="zh-TW" altLang="en-US" sz="1050" dirty="0">
             <a:latin typeface="Roboto" pitchFamily="2" charset="0"/>
           </a:endParaRPr>
         </a:p>
@@ -1105,40 +1110,40 @@
         <a:bodyPr/>
         <a:lstStyle/>
         <a:p>
-          <a:endParaRPr lang="zh-TW" altLang="en-US">
+          <a:endParaRPr lang="zh-TW" altLang="en-US" sz="1050">
             <a:latin typeface="Roboto" pitchFamily="2" charset="0"/>
           </a:endParaRPr>
         </a:p>
       </dgm:t>
     </dgm:pt>
     <dgm:pt modelId="{0ED43A1B-D02D-B145-973D-627B1FC11C70}" type="sibTrans" cxnId="{83B0AED4-FD80-6240-BC73-26FCEB20B50B}">
-      <dgm:prSet/>
+      <dgm:prSet custT="1"/>
       <dgm:spPr/>
       <dgm:t>
         <a:bodyPr/>
         <a:lstStyle/>
         <a:p>
-          <a:endParaRPr lang="zh-TW" altLang="en-US">
+          <a:endParaRPr lang="zh-TW" altLang="en-US" sz="1050">
             <a:latin typeface="Roboto" pitchFamily="2" charset="0"/>
           </a:endParaRPr>
         </a:p>
       </dgm:t>
     </dgm:pt>
     <dgm:pt modelId="{DE7E2EEB-5295-F545-B4D7-DC03AA9E3CE6}">
-      <dgm:prSet/>
+      <dgm:prSet custT="1"/>
       <dgm:spPr/>
       <dgm:t>
         <a:bodyPr/>
         <a:lstStyle/>
         <a:p>
           <a:r>
-            <a:rPr lang="en-US" altLang="zh-TW" dirty="0">
+            <a:rPr lang="en-US" altLang="zh-TW" sz="1050" dirty="0">
               <a:latin typeface="Roboto" pitchFamily="2" charset="0"/>
               <a:ea typeface="Roboto" pitchFamily="2" charset="0"/>
             </a:rPr>
             <a:t>The priority of marketing communication</a:t>
           </a:r>
-          <a:endParaRPr lang="zh-TW" altLang="en-US" dirty="0">
+          <a:endParaRPr lang="zh-TW" altLang="en-US" sz="1050" dirty="0">
             <a:latin typeface="Roboto" pitchFamily="2" charset="0"/>
           </a:endParaRPr>
         </a:p>
@@ -1151,7 +1156,7 @@
         <a:bodyPr/>
         <a:lstStyle/>
         <a:p>
-          <a:endParaRPr lang="zh-TW" altLang="en-US">
+          <a:endParaRPr lang="zh-TW" altLang="en-US" sz="1050">
             <a:latin typeface="Roboto" pitchFamily="2" charset="0"/>
           </a:endParaRPr>
         </a:p>
@@ -1164,9 +1169,46 @@
         <a:bodyPr/>
         <a:lstStyle/>
         <a:p>
-          <a:endParaRPr lang="zh-TW" altLang="en-US">
+          <a:endParaRPr lang="zh-TW" altLang="en-US" sz="1050">
             <a:latin typeface="Roboto" pitchFamily="2" charset="0"/>
           </a:endParaRPr>
+        </a:p>
+      </dgm:t>
+    </dgm:pt>
+    <dgm:pt modelId="{94C3C4CE-9E3A-5E4F-996D-405066FBADD8}">
+      <dgm:prSet custT="1"/>
+      <dgm:spPr/>
+      <dgm:t>
+        <a:bodyPr/>
+        <a:lstStyle/>
+        <a:p>
+          <a:r>
+            <a:rPr lang="en-US" altLang="zh-TW" sz="1050"/>
+            <a:t>Transaction dataset</a:t>
+          </a:r>
+          <a:endParaRPr lang="zh-TW" altLang="en-US" sz="1050" dirty="0"/>
+        </a:p>
+      </dgm:t>
+    </dgm:pt>
+    <dgm:pt modelId="{DC995F9D-55FB-BD4B-8EFB-66CF7A8C14FC}" type="parTrans" cxnId="{19D99C65-B4A7-0844-B880-378BC8A5DCEA}">
+      <dgm:prSet/>
+      <dgm:spPr/>
+      <dgm:t>
+        <a:bodyPr/>
+        <a:lstStyle/>
+        <a:p>
+          <a:endParaRPr lang="zh-TW" altLang="en-US" sz="1050"/>
+        </a:p>
+      </dgm:t>
+    </dgm:pt>
+    <dgm:pt modelId="{D33C6E04-3639-A048-BAF4-9DA941D8C91F}" type="sibTrans" cxnId="{19D99C65-B4A7-0844-B880-378BC8A5DCEA}">
+      <dgm:prSet custT="1"/>
+      <dgm:spPr/>
+      <dgm:t>
+        <a:bodyPr/>
+        <a:lstStyle/>
+        <a:p>
+          <a:endParaRPr lang="zh-TW" altLang="en-US" sz="1050"/>
         </a:p>
       </dgm:t>
     </dgm:pt>
@@ -1179,8 +1221,24 @@
       </dgm:prSet>
       <dgm:spPr/>
     </dgm:pt>
+    <dgm:pt modelId="{A1785405-D19C-BA4F-BF50-6220E6BB14E6}" type="pres">
+      <dgm:prSet presAssocID="{94C3C4CE-9E3A-5E4F-996D-405066FBADD8}" presName="node" presStyleLbl="node1" presStyleIdx="0" presStyleCnt="6" custScaleX="77814">
+        <dgm:presLayoutVars>
+          <dgm:bulletEnabled val="1"/>
+        </dgm:presLayoutVars>
+      </dgm:prSet>
+      <dgm:spPr/>
+    </dgm:pt>
+    <dgm:pt modelId="{2071F1C3-43C9-1F46-957C-EE15209008C5}" type="pres">
+      <dgm:prSet presAssocID="{D33C6E04-3639-A048-BAF4-9DA941D8C91F}" presName="sibTrans" presStyleLbl="sibTrans2D1" presStyleIdx="0" presStyleCnt="5"/>
+      <dgm:spPr/>
+    </dgm:pt>
+    <dgm:pt modelId="{93C53CD5-C143-5C4E-ACB3-ED33BA045800}" type="pres">
+      <dgm:prSet presAssocID="{D33C6E04-3639-A048-BAF4-9DA941D8C91F}" presName="connectorText" presStyleLbl="sibTrans2D1" presStyleIdx="0" presStyleCnt="5"/>
+      <dgm:spPr/>
+    </dgm:pt>
     <dgm:pt modelId="{6108ACCB-5006-4B47-90CB-FCEF7A157033}" type="pres">
-      <dgm:prSet presAssocID="{BA2E4306-E7DF-364D-9915-4801E1F971F5}" presName="node" presStyleLbl="node1" presStyleIdx="0" presStyleCnt="5">
+      <dgm:prSet presAssocID="{BA2E4306-E7DF-364D-9915-4801E1F971F5}" presName="node" presStyleLbl="node1" presStyleIdx="1" presStyleCnt="6">
         <dgm:presLayoutVars>
           <dgm:bulletEnabled val="1"/>
         </dgm:presLayoutVars>
@@ -1188,15 +1246,15 @@
       <dgm:spPr/>
     </dgm:pt>
     <dgm:pt modelId="{79370EED-940F-164C-A67C-7FE6869DB0A6}" type="pres">
-      <dgm:prSet presAssocID="{414FE088-780A-7D4F-8E01-3439D17779CA}" presName="sibTrans" presStyleLbl="sibTrans2D1" presStyleIdx="0" presStyleCnt="4"/>
+      <dgm:prSet presAssocID="{414FE088-780A-7D4F-8E01-3439D17779CA}" presName="sibTrans" presStyleLbl="sibTrans2D1" presStyleIdx="1" presStyleCnt="5"/>
       <dgm:spPr/>
     </dgm:pt>
     <dgm:pt modelId="{C69033A4-F91E-E142-A79C-61B7DC76DD27}" type="pres">
-      <dgm:prSet presAssocID="{414FE088-780A-7D4F-8E01-3439D17779CA}" presName="connectorText" presStyleLbl="sibTrans2D1" presStyleIdx="0" presStyleCnt="4"/>
+      <dgm:prSet presAssocID="{414FE088-780A-7D4F-8E01-3439D17779CA}" presName="connectorText" presStyleLbl="sibTrans2D1" presStyleIdx="1" presStyleCnt="5"/>
       <dgm:spPr/>
     </dgm:pt>
     <dgm:pt modelId="{7586E298-E4D7-BB40-9141-8CA4F688A7C1}" type="pres">
-      <dgm:prSet presAssocID="{BEAA1EF2-0FF6-BA49-8BFB-B3D9571BD781}" presName="node" presStyleLbl="node1" presStyleIdx="1" presStyleCnt="5">
+      <dgm:prSet presAssocID="{BEAA1EF2-0FF6-BA49-8BFB-B3D9571BD781}" presName="node" presStyleLbl="node1" presStyleIdx="2" presStyleCnt="6" custScaleX="87275">
         <dgm:presLayoutVars>
           <dgm:bulletEnabled val="1"/>
         </dgm:presLayoutVars>
@@ -1204,15 +1262,15 @@
       <dgm:spPr/>
     </dgm:pt>
     <dgm:pt modelId="{CD013E09-A94F-C041-8B7B-335083B0E684}" type="pres">
-      <dgm:prSet presAssocID="{DF7F3692-D6A7-034B-B775-48D759066F80}" presName="sibTrans" presStyleLbl="sibTrans2D1" presStyleIdx="1" presStyleCnt="4"/>
+      <dgm:prSet presAssocID="{DF7F3692-D6A7-034B-B775-48D759066F80}" presName="sibTrans" presStyleLbl="sibTrans2D1" presStyleIdx="2" presStyleCnt="5"/>
       <dgm:spPr/>
     </dgm:pt>
     <dgm:pt modelId="{5C33D963-1990-2E46-8948-F09683492068}" type="pres">
-      <dgm:prSet presAssocID="{DF7F3692-D6A7-034B-B775-48D759066F80}" presName="connectorText" presStyleLbl="sibTrans2D1" presStyleIdx="1" presStyleCnt="4"/>
+      <dgm:prSet presAssocID="{DF7F3692-D6A7-034B-B775-48D759066F80}" presName="connectorText" presStyleLbl="sibTrans2D1" presStyleIdx="2" presStyleCnt="5"/>
       <dgm:spPr/>
     </dgm:pt>
     <dgm:pt modelId="{109B0FC4-CB13-C242-8EF2-75CB2FCA4B39}" type="pres">
-      <dgm:prSet presAssocID="{BD6E1FDA-1783-E545-B71F-CEEA3D46DFAD}" presName="node" presStyleLbl="node1" presStyleIdx="2" presStyleCnt="5" custLinFactNeighborX="-3716" custLinFactNeighborY="-70926">
+      <dgm:prSet presAssocID="{BD6E1FDA-1783-E545-B71F-CEEA3D46DFAD}" presName="node" presStyleLbl="node1" presStyleIdx="3" presStyleCnt="6" custLinFactNeighborX="-3716" custLinFactNeighborY="-70926">
         <dgm:presLayoutVars>
           <dgm:bulletEnabled val="1"/>
         </dgm:presLayoutVars>
@@ -1220,15 +1278,15 @@
       <dgm:spPr/>
     </dgm:pt>
     <dgm:pt modelId="{86498BF6-EF25-FD45-A2CF-79642824063E}" type="pres">
-      <dgm:prSet presAssocID="{6921CDA8-0B58-E34A-BC85-ADBA0FC3549E}" presName="sibTrans" presStyleLbl="sibTrans2D1" presStyleIdx="2" presStyleCnt="4"/>
+      <dgm:prSet presAssocID="{6921CDA8-0B58-E34A-BC85-ADBA0FC3549E}" presName="sibTrans" presStyleLbl="sibTrans2D1" presStyleIdx="3" presStyleCnt="5"/>
       <dgm:spPr/>
     </dgm:pt>
     <dgm:pt modelId="{EAB95DC8-4D89-6F45-9BF1-73F5D978158A}" type="pres">
-      <dgm:prSet presAssocID="{6921CDA8-0B58-E34A-BC85-ADBA0FC3549E}" presName="connectorText" presStyleLbl="sibTrans2D1" presStyleIdx="2" presStyleCnt="4"/>
+      <dgm:prSet presAssocID="{6921CDA8-0B58-E34A-BC85-ADBA0FC3549E}" presName="connectorText" presStyleLbl="sibTrans2D1" presStyleIdx="3" presStyleCnt="5"/>
       <dgm:spPr/>
     </dgm:pt>
     <dgm:pt modelId="{F9AC160C-B49A-B943-A3E1-59EF29110819}" type="pres">
-      <dgm:prSet presAssocID="{67AD8EC8-E35C-EE43-B9AE-F3F4FFF2963A}" presName="node" presStyleLbl="node1" presStyleIdx="3" presStyleCnt="5">
+      <dgm:prSet presAssocID="{67AD8EC8-E35C-EE43-B9AE-F3F4FFF2963A}" presName="node" presStyleLbl="node1" presStyleIdx="4" presStyleCnt="6">
         <dgm:presLayoutVars>
           <dgm:bulletEnabled val="1"/>
         </dgm:presLayoutVars>
@@ -1236,15 +1294,15 @@
       <dgm:spPr/>
     </dgm:pt>
     <dgm:pt modelId="{9414A85C-209E-0F46-A8C2-B7FC46DE2915}" type="pres">
-      <dgm:prSet presAssocID="{0ED43A1B-D02D-B145-973D-627B1FC11C70}" presName="sibTrans" presStyleLbl="sibTrans2D1" presStyleIdx="3" presStyleCnt="4"/>
+      <dgm:prSet presAssocID="{0ED43A1B-D02D-B145-973D-627B1FC11C70}" presName="sibTrans" presStyleLbl="sibTrans2D1" presStyleIdx="4" presStyleCnt="5"/>
       <dgm:spPr/>
     </dgm:pt>
     <dgm:pt modelId="{DC4FF995-6F73-0A4F-BA1B-DCED01DA3F14}" type="pres">
-      <dgm:prSet presAssocID="{0ED43A1B-D02D-B145-973D-627B1FC11C70}" presName="connectorText" presStyleLbl="sibTrans2D1" presStyleIdx="3" presStyleCnt="4"/>
+      <dgm:prSet presAssocID="{0ED43A1B-D02D-B145-973D-627B1FC11C70}" presName="connectorText" presStyleLbl="sibTrans2D1" presStyleIdx="4" presStyleCnt="5"/>
       <dgm:spPr/>
     </dgm:pt>
     <dgm:pt modelId="{167A35ED-AD00-3D4C-9FB8-948CB54241A4}" type="pres">
-      <dgm:prSet presAssocID="{DE7E2EEB-5295-F545-B4D7-DC03AA9E3CE6}" presName="node" presStyleLbl="node1" presStyleIdx="4" presStyleCnt="5">
+      <dgm:prSet presAssocID="{DE7E2EEB-5295-F545-B4D7-DC03AA9E3CE6}" presName="node" presStyleLbl="node1" presStyleIdx="5" presStyleCnt="6">
         <dgm:presLayoutVars>
           <dgm:bulletEnabled val="1"/>
         </dgm:presLayoutVars>
@@ -1253,38 +1311,45 @@
     </dgm:pt>
   </dgm:ptLst>
   <dgm:cxnLst>
-    <dgm:cxn modelId="{5C7EA718-347B-B843-952C-C6894E9D93BF}" srcId="{E43032C2-2AE8-704F-9037-B4E16EF5B0EC}" destId="{BA2E4306-E7DF-364D-9915-4801E1F971F5}" srcOrd="0" destOrd="0" parTransId="{50B5710A-9EFB-C447-AD22-4F0712F76316}" sibTransId="{414FE088-780A-7D4F-8E01-3439D17779CA}"/>
-    <dgm:cxn modelId="{EE3B401A-2B06-BD47-9D97-95580AB026E7}" type="presOf" srcId="{BA2E4306-E7DF-364D-9915-4801E1F971F5}" destId="{6108ACCB-5006-4B47-90CB-FCEF7A157033}" srcOrd="0" destOrd="0" presId="urn:microsoft.com/office/officeart/2005/8/layout/process1"/>
+    <dgm:cxn modelId="{5C7EA718-347B-B843-952C-C6894E9D93BF}" srcId="{E43032C2-2AE8-704F-9037-B4E16EF5B0EC}" destId="{BA2E4306-E7DF-364D-9915-4801E1F971F5}" srcOrd="1" destOrd="0" parTransId="{50B5710A-9EFB-C447-AD22-4F0712F76316}" sibTransId="{414FE088-780A-7D4F-8E01-3439D17779CA}"/>
     <dgm:cxn modelId="{87DD5629-C9D1-214D-804D-9E2F1BF8428D}" type="presOf" srcId="{E43032C2-2AE8-704F-9037-B4E16EF5B0EC}" destId="{B85BE1CF-6A88-D545-B6D3-5E9F6CDA40C1}" srcOrd="0" destOrd="0" presId="urn:microsoft.com/office/officeart/2005/8/layout/process1"/>
-    <dgm:cxn modelId="{12672334-635E-5643-A668-44F72CFE4F29}" type="presOf" srcId="{BD6E1FDA-1783-E545-B71F-CEEA3D46DFAD}" destId="{109B0FC4-CB13-C242-8EF2-75CB2FCA4B39}" srcOrd="0" destOrd="0" presId="urn:microsoft.com/office/officeart/2005/8/layout/process1"/>
-    <dgm:cxn modelId="{82CBE23B-85CE-994D-BB81-2B12900A7D35}" srcId="{E43032C2-2AE8-704F-9037-B4E16EF5B0EC}" destId="{BD6E1FDA-1783-E545-B71F-CEEA3D46DFAD}" srcOrd="2" destOrd="0" parTransId="{825DBF59-8F4C-A744-8462-65F2AFD79C36}" sibTransId="{6921CDA8-0B58-E34A-BC85-ADBA0FC3549E}"/>
-    <dgm:cxn modelId="{22B83D4A-F3F1-404C-9496-8EFEA75DB364}" type="presOf" srcId="{414FE088-780A-7D4F-8E01-3439D17779CA}" destId="{C69033A4-F91E-E142-A79C-61B7DC76DD27}" srcOrd="1" destOrd="0" presId="urn:microsoft.com/office/officeart/2005/8/layout/process1"/>
-    <dgm:cxn modelId="{8823B15B-F45A-5F46-8810-DFCA165DA462}" type="presOf" srcId="{6921CDA8-0B58-E34A-BC85-ADBA0FC3549E}" destId="{EAB95DC8-4D89-6F45-9BF1-73F5D978158A}" srcOrd="1" destOrd="0" presId="urn:microsoft.com/office/officeart/2005/8/layout/process1"/>
-    <dgm:cxn modelId="{48819C65-6F6F-7345-B8A9-9067E1A68680}" type="presOf" srcId="{6921CDA8-0B58-E34A-BC85-ADBA0FC3549E}" destId="{86498BF6-EF25-FD45-A2CF-79642824063E}" srcOrd="0" destOrd="0" presId="urn:microsoft.com/office/officeart/2005/8/layout/process1"/>
-    <dgm:cxn modelId="{2E28DD8A-76E1-C548-8EE3-644E33B9EF97}" type="presOf" srcId="{BEAA1EF2-0FF6-BA49-8BFB-B3D9571BD781}" destId="{7586E298-E4D7-BB40-9141-8CA4F688A7C1}" srcOrd="0" destOrd="0" presId="urn:microsoft.com/office/officeart/2005/8/layout/process1"/>
-    <dgm:cxn modelId="{F6FFDB9C-BAC0-B749-B9A3-10355065FB9E}" type="presOf" srcId="{DF7F3692-D6A7-034B-B775-48D759066F80}" destId="{CD013E09-A94F-C041-8B7B-335083B0E684}" srcOrd="0" destOrd="0" presId="urn:microsoft.com/office/officeart/2005/8/layout/process1"/>
-    <dgm:cxn modelId="{5D0DB8A6-EDB6-554C-8ECE-40DDA22975FD}" type="presOf" srcId="{DE7E2EEB-5295-F545-B4D7-DC03AA9E3CE6}" destId="{167A35ED-AD00-3D4C-9FB8-948CB54241A4}" srcOrd="0" destOrd="0" presId="urn:microsoft.com/office/officeart/2005/8/layout/process1"/>
-    <dgm:cxn modelId="{FEC85DA7-9C9F-2441-8F67-A3C7E8E437AF}" type="presOf" srcId="{DF7F3692-D6A7-034B-B775-48D759066F80}" destId="{5C33D963-1990-2E46-8948-F09683492068}" srcOrd="1" destOrd="0" presId="urn:microsoft.com/office/officeart/2005/8/layout/process1"/>
-    <dgm:cxn modelId="{480146CF-5A33-3B49-A26D-EFABEBA955EC}" srcId="{E43032C2-2AE8-704F-9037-B4E16EF5B0EC}" destId="{BEAA1EF2-0FF6-BA49-8BFB-B3D9571BD781}" srcOrd="1" destOrd="0" parTransId="{36BFBDCD-8289-4443-AEB5-F8A78D78A160}" sibTransId="{DF7F3692-D6A7-034B-B775-48D759066F80}"/>
-    <dgm:cxn modelId="{83B0AED4-FD80-6240-BC73-26FCEB20B50B}" srcId="{E43032C2-2AE8-704F-9037-B4E16EF5B0EC}" destId="{67AD8EC8-E35C-EE43-B9AE-F3F4FFF2963A}" srcOrd="3" destOrd="0" parTransId="{E3249FEC-7DF6-9740-9836-8319BAD9CC09}" sibTransId="{0ED43A1B-D02D-B145-973D-627B1FC11C70}"/>
-    <dgm:cxn modelId="{76E153DE-A63A-A644-8D0E-75C9A80D4997}" type="presOf" srcId="{67AD8EC8-E35C-EE43-B9AE-F3F4FFF2963A}" destId="{F9AC160C-B49A-B943-A3E1-59EF29110819}" srcOrd="0" destOrd="0" presId="urn:microsoft.com/office/officeart/2005/8/layout/process1"/>
-    <dgm:cxn modelId="{61CA2EE1-7E40-9842-A82F-B50E8A7E9C70}" type="presOf" srcId="{0ED43A1B-D02D-B145-973D-627B1FC11C70}" destId="{9414A85C-209E-0F46-A8C2-B7FC46DE2915}" srcOrd="0" destOrd="0" presId="urn:microsoft.com/office/officeart/2005/8/layout/process1"/>
-    <dgm:cxn modelId="{DBE810EA-30A0-734D-BAA5-EB9D80D3EA5A}" type="presOf" srcId="{0ED43A1B-D02D-B145-973D-627B1FC11C70}" destId="{DC4FF995-6F73-0A4F-BA1B-DCED01DA3F14}" srcOrd="1" destOrd="0" presId="urn:microsoft.com/office/officeart/2005/8/layout/process1"/>
-    <dgm:cxn modelId="{128BC0F9-E349-B04B-893A-2FFB742D0825}" srcId="{E43032C2-2AE8-704F-9037-B4E16EF5B0EC}" destId="{DE7E2EEB-5295-F545-B4D7-DC03AA9E3CE6}" srcOrd="4" destOrd="0" parTransId="{A0E1226C-40B1-9147-BAB4-83B26B6B92A3}" sibTransId="{873E20F9-3D7E-2D41-B6AD-9C3076DA26A5}"/>
-    <dgm:cxn modelId="{C9EA3EFA-FF0A-CC49-9D1E-72255A85FAFE}" type="presOf" srcId="{414FE088-780A-7D4F-8E01-3439D17779CA}" destId="{79370EED-940F-164C-A67C-7FE6869DB0A6}" srcOrd="0" destOrd="0" presId="urn:microsoft.com/office/officeart/2005/8/layout/process1"/>
-    <dgm:cxn modelId="{822420F2-FD03-2D4A-97B7-F1CD8A9F2F4E}" type="presParOf" srcId="{B85BE1CF-6A88-D545-B6D3-5E9F6CDA40C1}" destId="{6108ACCB-5006-4B47-90CB-FCEF7A157033}" srcOrd="0" destOrd="0" presId="urn:microsoft.com/office/officeart/2005/8/layout/process1"/>
-    <dgm:cxn modelId="{71571B8D-FB22-1B4C-B1DA-5696AAEB1326}" type="presParOf" srcId="{B85BE1CF-6A88-D545-B6D3-5E9F6CDA40C1}" destId="{79370EED-940F-164C-A67C-7FE6869DB0A6}" srcOrd="1" destOrd="0" presId="urn:microsoft.com/office/officeart/2005/8/layout/process1"/>
-    <dgm:cxn modelId="{F4236086-2364-F941-9DEC-CB2DCB791B04}" type="presParOf" srcId="{79370EED-940F-164C-A67C-7FE6869DB0A6}" destId="{C69033A4-F91E-E142-A79C-61B7DC76DD27}" srcOrd="0" destOrd="0" presId="urn:microsoft.com/office/officeart/2005/8/layout/process1"/>
-    <dgm:cxn modelId="{F840D176-FAF3-FF41-9255-DDCB0FFEF3C1}" type="presParOf" srcId="{B85BE1CF-6A88-D545-B6D3-5E9F6CDA40C1}" destId="{7586E298-E4D7-BB40-9141-8CA4F688A7C1}" srcOrd="2" destOrd="0" presId="urn:microsoft.com/office/officeart/2005/8/layout/process1"/>
-    <dgm:cxn modelId="{08AA1CDE-1F6E-A142-839A-6A43CDF06E7F}" type="presParOf" srcId="{B85BE1CF-6A88-D545-B6D3-5E9F6CDA40C1}" destId="{CD013E09-A94F-C041-8B7B-335083B0E684}" srcOrd="3" destOrd="0" presId="urn:microsoft.com/office/officeart/2005/8/layout/process1"/>
-    <dgm:cxn modelId="{48100A09-EFE9-2040-9619-D0BD38A65CDF}" type="presParOf" srcId="{CD013E09-A94F-C041-8B7B-335083B0E684}" destId="{5C33D963-1990-2E46-8948-F09683492068}" srcOrd="0" destOrd="0" presId="urn:microsoft.com/office/officeart/2005/8/layout/process1"/>
-    <dgm:cxn modelId="{D10B7E5F-0782-1743-94D0-8F3FFA604B78}" type="presParOf" srcId="{B85BE1CF-6A88-D545-B6D3-5E9F6CDA40C1}" destId="{109B0FC4-CB13-C242-8EF2-75CB2FCA4B39}" srcOrd="4" destOrd="0" presId="urn:microsoft.com/office/officeart/2005/8/layout/process1"/>
-    <dgm:cxn modelId="{D43BDC84-6D13-0940-8F01-D7E25EFAD085}" type="presParOf" srcId="{B85BE1CF-6A88-D545-B6D3-5E9F6CDA40C1}" destId="{86498BF6-EF25-FD45-A2CF-79642824063E}" srcOrd="5" destOrd="0" presId="urn:microsoft.com/office/officeart/2005/8/layout/process1"/>
-    <dgm:cxn modelId="{15209257-1D4A-F045-8102-A1042A36BC35}" type="presParOf" srcId="{86498BF6-EF25-FD45-A2CF-79642824063E}" destId="{EAB95DC8-4D89-6F45-9BF1-73F5D978158A}" srcOrd="0" destOrd="0" presId="urn:microsoft.com/office/officeart/2005/8/layout/process1"/>
-    <dgm:cxn modelId="{A7EDA4DE-8ECF-904C-BA88-86D77BD41343}" type="presParOf" srcId="{B85BE1CF-6A88-D545-B6D3-5E9F6CDA40C1}" destId="{F9AC160C-B49A-B943-A3E1-59EF29110819}" srcOrd="6" destOrd="0" presId="urn:microsoft.com/office/officeart/2005/8/layout/process1"/>
-    <dgm:cxn modelId="{FE4719DC-7887-EE4B-9B5E-E56ACA2E716B}" type="presParOf" srcId="{B85BE1CF-6A88-D545-B6D3-5E9F6CDA40C1}" destId="{9414A85C-209E-0F46-A8C2-B7FC46DE2915}" srcOrd="7" destOrd="0" presId="urn:microsoft.com/office/officeart/2005/8/layout/process1"/>
-    <dgm:cxn modelId="{9E187FFE-2ACE-3C40-B094-DD5A151FA5D8}" type="presParOf" srcId="{9414A85C-209E-0F46-A8C2-B7FC46DE2915}" destId="{DC4FF995-6F73-0A4F-BA1B-DCED01DA3F14}" srcOrd="0" destOrd="0" presId="urn:microsoft.com/office/officeart/2005/8/layout/process1"/>
-    <dgm:cxn modelId="{7FE44855-5D7A-DD45-9D45-D95B6EBEB804}" type="presParOf" srcId="{B85BE1CF-6A88-D545-B6D3-5E9F6CDA40C1}" destId="{167A35ED-AD00-3D4C-9FB8-948CB54241A4}" srcOrd="8" destOrd="0" presId="urn:microsoft.com/office/officeart/2005/8/layout/process1"/>
+    <dgm:cxn modelId="{82CBE23B-85CE-994D-BB81-2B12900A7D35}" srcId="{E43032C2-2AE8-704F-9037-B4E16EF5B0EC}" destId="{BD6E1FDA-1783-E545-B71F-CEEA3D46DFAD}" srcOrd="3" destOrd="0" parTransId="{825DBF59-8F4C-A744-8462-65F2AFD79C36}" sibTransId="{6921CDA8-0B58-E34A-BC85-ADBA0FC3549E}"/>
+    <dgm:cxn modelId="{91DA6E50-1690-3F40-BDAA-3BDF4A4327CF}" type="presOf" srcId="{BEAA1EF2-0FF6-BA49-8BFB-B3D9571BD781}" destId="{7586E298-E4D7-BB40-9141-8CA4F688A7C1}" srcOrd="0" destOrd="0" presId="urn:microsoft.com/office/officeart/2005/8/layout/process1"/>
+    <dgm:cxn modelId="{9CC6BF50-9080-4444-8947-5A7DE4BC020C}" type="presOf" srcId="{414FE088-780A-7D4F-8E01-3439D17779CA}" destId="{C69033A4-F91E-E142-A79C-61B7DC76DD27}" srcOrd="1" destOrd="0" presId="urn:microsoft.com/office/officeart/2005/8/layout/process1"/>
+    <dgm:cxn modelId="{37A84852-81BF-7948-9249-55FBEE1D2595}" type="presOf" srcId="{D33C6E04-3639-A048-BAF4-9DA941D8C91F}" destId="{2071F1C3-43C9-1F46-957C-EE15209008C5}" srcOrd="0" destOrd="0" presId="urn:microsoft.com/office/officeart/2005/8/layout/process1"/>
+    <dgm:cxn modelId="{2C7D5E52-AD90-6846-A70A-167C7596BB81}" type="presOf" srcId="{BD6E1FDA-1783-E545-B71F-CEEA3D46DFAD}" destId="{109B0FC4-CB13-C242-8EF2-75CB2FCA4B39}" srcOrd="0" destOrd="0" presId="urn:microsoft.com/office/officeart/2005/8/layout/process1"/>
+    <dgm:cxn modelId="{CB885063-D64F-BE44-B317-7325E7168FA8}" type="presOf" srcId="{BA2E4306-E7DF-364D-9915-4801E1F971F5}" destId="{6108ACCB-5006-4B47-90CB-FCEF7A157033}" srcOrd="0" destOrd="0" presId="urn:microsoft.com/office/officeart/2005/8/layout/process1"/>
+    <dgm:cxn modelId="{19D99C65-B4A7-0844-B880-378BC8A5DCEA}" srcId="{E43032C2-2AE8-704F-9037-B4E16EF5B0EC}" destId="{94C3C4CE-9E3A-5E4F-996D-405066FBADD8}" srcOrd="0" destOrd="0" parTransId="{DC995F9D-55FB-BD4B-8EFB-66CF7A8C14FC}" sibTransId="{D33C6E04-3639-A048-BAF4-9DA941D8C91F}"/>
+    <dgm:cxn modelId="{6820CC9A-6C41-2343-958E-F7A12509EDB8}" type="presOf" srcId="{0ED43A1B-D02D-B145-973D-627B1FC11C70}" destId="{DC4FF995-6F73-0A4F-BA1B-DCED01DA3F14}" srcOrd="1" destOrd="0" presId="urn:microsoft.com/office/officeart/2005/8/layout/process1"/>
+    <dgm:cxn modelId="{6CD221A3-698B-164E-B69A-848346425FE1}" type="presOf" srcId="{6921CDA8-0B58-E34A-BC85-ADBA0FC3549E}" destId="{86498BF6-EF25-FD45-A2CF-79642824063E}" srcOrd="0" destOrd="0" presId="urn:microsoft.com/office/officeart/2005/8/layout/process1"/>
+    <dgm:cxn modelId="{2EFDECB1-9740-B04D-B417-00FD1CCEC972}" type="presOf" srcId="{DF7F3692-D6A7-034B-B775-48D759066F80}" destId="{CD013E09-A94F-C041-8B7B-335083B0E684}" srcOrd="0" destOrd="0" presId="urn:microsoft.com/office/officeart/2005/8/layout/process1"/>
+    <dgm:cxn modelId="{FD9DD1B3-5B3C-154B-9826-BCEA8E2E24DB}" type="presOf" srcId="{6921CDA8-0B58-E34A-BC85-ADBA0FC3549E}" destId="{EAB95DC8-4D89-6F45-9BF1-73F5D978158A}" srcOrd="1" destOrd="0" presId="urn:microsoft.com/office/officeart/2005/8/layout/process1"/>
+    <dgm:cxn modelId="{FA9184C0-F09A-EE4E-8031-52914184ACD9}" type="presOf" srcId="{94C3C4CE-9E3A-5E4F-996D-405066FBADD8}" destId="{A1785405-D19C-BA4F-BF50-6220E6BB14E6}" srcOrd="0" destOrd="0" presId="urn:microsoft.com/office/officeart/2005/8/layout/process1"/>
+    <dgm:cxn modelId="{4E7794CB-26E1-8348-B100-F763D4E27C06}" type="presOf" srcId="{67AD8EC8-E35C-EE43-B9AE-F3F4FFF2963A}" destId="{F9AC160C-B49A-B943-A3E1-59EF29110819}" srcOrd="0" destOrd="0" presId="urn:microsoft.com/office/officeart/2005/8/layout/process1"/>
+    <dgm:cxn modelId="{480146CF-5A33-3B49-A26D-EFABEBA955EC}" srcId="{E43032C2-2AE8-704F-9037-B4E16EF5B0EC}" destId="{BEAA1EF2-0FF6-BA49-8BFB-B3D9571BD781}" srcOrd="2" destOrd="0" parTransId="{36BFBDCD-8289-4443-AEB5-F8A78D78A160}" sibTransId="{DF7F3692-D6A7-034B-B775-48D759066F80}"/>
+    <dgm:cxn modelId="{0B0868D2-F0B6-3548-A23F-44F9BC9FE7FF}" type="presOf" srcId="{414FE088-780A-7D4F-8E01-3439D17779CA}" destId="{79370EED-940F-164C-A67C-7FE6869DB0A6}" srcOrd="0" destOrd="0" presId="urn:microsoft.com/office/officeart/2005/8/layout/process1"/>
+    <dgm:cxn modelId="{0FA8DED2-0871-4D44-B332-8A58D766C577}" type="presOf" srcId="{D33C6E04-3639-A048-BAF4-9DA941D8C91F}" destId="{93C53CD5-C143-5C4E-ACB3-ED33BA045800}" srcOrd="1" destOrd="0" presId="urn:microsoft.com/office/officeart/2005/8/layout/process1"/>
+    <dgm:cxn modelId="{83B0AED4-FD80-6240-BC73-26FCEB20B50B}" srcId="{E43032C2-2AE8-704F-9037-B4E16EF5B0EC}" destId="{67AD8EC8-E35C-EE43-B9AE-F3F4FFF2963A}" srcOrd="4" destOrd="0" parTransId="{E3249FEC-7DF6-9740-9836-8319BAD9CC09}" sibTransId="{0ED43A1B-D02D-B145-973D-627B1FC11C70}"/>
+    <dgm:cxn modelId="{D73F84D9-FD1A-EF41-8800-C29948DE3F1B}" type="presOf" srcId="{0ED43A1B-D02D-B145-973D-627B1FC11C70}" destId="{9414A85C-209E-0F46-A8C2-B7FC46DE2915}" srcOrd="0" destOrd="0" presId="urn:microsoft.com/office/officeart/2005/8/layout/process1"/>
+    <dgm:cxn modelId="{83895BF4-F8BB-F44A-BE83-A2CF9A86F13A}" type="presOf" srcId="{DF7F3692-D6A7-034B-B775-48D759066F80}" destId="{5C33D963-1990-2E46-8948-F09683492068}" srcOrd="1" destOrd="0" presId="urn:microsoft.com/office/officeart/2005/8/layout/process1"/>
+    <dgm:cxn modelId="{102B2EF6-3084-E241-99AB-3D0AE421A0B7}" type="presOf" srcId="{DE7E2EEB-5295-F545-B4D7-DC03AA9E3CE6}" destId="{167A35ED-AD00-3D4C-9FB8-948CB54241A4}" srcOrd="0" destOrd="0" presId="urn:microsoft.com/office/officeart/2005/8/layout/process1"/>
+    <dgm:cxn modelId="{128BC0F9-E349-B04B-893A-2FFB742D0825}" srcId="{E43032C2-2AE8-704F-9037-B4E16EF5B0EC}" destId="{DE7E2EEB-5295-F545-B4D7-DC03AA9E3CE6}" srcOrd="5" destOrd="0" parTransId="{A0E1226C-40B1-9147-BAB4-83B26B6B92A3}" sibTransId="{873E20F9-3D7E-2D41-B6AD-9C3076DA26A5}"/>
+    <dgm:cxn modelId="{C874C45D-0DDE-3A41-805A-C2CF8D339724}" type="presParOf" srcId="{B85BE1CF-6A88-D545-B6D3-5E9F6CDA40C1}" destId="{A1785405-D19C-BA4F-BF50-6220E6BB14E6}" srcOrd="0" destOrd="0" presId="urn:microsoft.com/office/officeart/2005/8/layout/process1"/>
+    <dgm:cxn modelId="{72FA307B-9044-D444-B52D-A809B6F5A731}" type="presParOf" srcId="{B85BE1CF-6A88-D545-B6D3-5E9F6CDA40C1}" destId="{2071F1C3-43C9-1F46-957C-EE15209008C5}" srcOrd="1" destOrd="0" presId="urn:microsoft.com/office/officeart/2005/8/layout/process1"/>
+    <dgm:cxn modelId="{4314A783-4E32-6D49-B925-AB1D0519DB04}" type="presParOf" srcId="{2071F1C3-43C9-1F46-957C-EE15209008C5}" destId="{93C53CD5-C143-5C4E-ACB3-ED33BA045800}" srcOrd="0" destOrd="0" presId="urn:microsoft.com/office/officeart/2005/8/layout/process1"/>
+    <dgm:cxn modelId="{3A9EC256-FFE4-7B45-AEA8-1B732638426F}" type="presParOf" srcId="{B85BE1CF-6A88-D545-B6D3-5E9F6CDA40C1}" destId="{6108ACCB-5006-4B47-90CB-FCEF7A157033}" srcOrd="2" destOrd="0" presId="urn:microsoft.com/office/officeart/2005/8/layout/process1"/>
+    <dgm:cxn modelId="{99980761-4E5F-7449-B140-24A1430A3FD9}" type="presParOf" srcId="{B85BE1CF-6A88-D545-B6D3-5E9F6CDA40C1}" destId="{79370EED-940F-164C-A67C-7FE6869DB0A6}" srcOrd="3" destOrd="0" presId="urn:microsoft.com/office/officeart/2005/8/layout/process1"/>
+    <dgm:cxn modelId="{33956959-8B65-9F4C-BEAC-D8636C42A025}" type="presParOf" srcId="{79370EED-940F-164C-A67C-7FE6869DB0A6}" destId="{C69033A4-F91E-E142-A79C-61B7DC76DD27}" srcOrd="0" destOrd="0" presId="urn:microsoft.com/office/officeart/2005/8/layout/process1"/>
+    <dgm:cxn modelId="{76FDDA62-089A-8C44-8A6C-E3CC7E608682}" type="presParOf" srcId="{B85BE1CF-6A88-D545-B6D3-5E9F6CDA40C1}" destId="{7586E298-E4D7-BB40-9141-8CA4F688A7C1}" srcOrd="4" destOrd="0" presId="urn:microsoft.com/office/officeart/2005/8/layout/process1"/>
+    <dgm:cxn modelId="{D0735987-785F-0347-91D3-84B5F3BD3F60}" type="presParOf" srcId="{B85BE1CF-6A88-D545-B6D3-5E9F6CDA40C1}" destId="{CD013E09-A94F-C041-8B7B-335083B0E684}" srcOrd="5" destOrd="0" presId="urn:microsoft.com/office/officeart/2005/8/layout/process1"/>
+    <dgm:cxn modelId="{898FA15E-287E-EB49-8F70-AC39B6EA5A14}" type="presParOf" srcId="{CD013E09-A94F-C041-8B7B-335083B0E684}" destId="{5C33D963-1990-2E46-8948-F09683492068}" srcOrd="0" destOrd="0" presId="urn:microsoft.com/office/officeart/2005/8/layout/process1"/>
+    <dgm:cxn modelId="{82E65ADC-A93A-8841-857C-3662792D682E}" type="presParOf" srcId="{B85BE1CF-6A88-D545-B6D3-5E9F6CDA40C1}" destId="{109B0FC4-CB13-C242-8EF2-75CB2FCA4B39}" srcOrd="6" destOrd="0" presId="urn:microsoft.com/office/officeart/2005/8/layout/process1"/>
+    <dgm:cxn modelId="{C94C2242-9A13-F641-8F47-0C141577127D}" type="presParOf" srcId="{B85BE1CF-6A88-D545-B6D3-5E9F6CDA40C1}" destId="{86498BF6-EF25-FD45-A2CF-79642824063E}" srcOrd="7" destOrd="0" presId="urn:microsoft.com/office/officeart/2005/8/layout/process1"/>
+    <dgm:cxn modelId="{F9699563-89C2-DE46-AF26-2C1BBEE47E2C}" type="presParOf" srcId="{86498BF6-EF25-FD45-A2CF-79642824063E}" destId="{EAB95DC8-4D89-6F45-9BF1-73F5D978158A}" srcOrd="0" destOrd="0" presId="urn:microsoft.com/office/officeart/2005/8/layout/process1"/>
+    <dgm:cxn modelId="{24B7649D-9B5E-FE45-9E8F-9C66D4614A18}" type="presParOf" srcId="{B85BE1CF-6A88-D545-B6D3-5E9F6CDA40C1}" destId="{F9AC160C-B49A-B943-A3E1-59EF29110819}" srcOrd="8" destOrd="0" presId="urn:microsoft.com/office/officeart/2005/8/layout/process1"/>
+    <dgm:cxn modelId="{6A4E4D9B-D0FE-5A4E-8056-1E2C6C9C8401}" type="presParOf" srcId="{B85BE1CF-6A88-D545-B6D3-5E9F6CDA40C1}" destId="{9414A85C-209E-0F46-A8C2-B7FC46DE2915}" srcOrd="9" destOrd="0" presId="urn:microsoft.com/office/officeart/2005/8/layout/process1"/>
+    <dgm:cxn modelId="{17365B82-8CF1-CE49-BBCF-716199F3DD7E}" type="presParOf" srcId="{9414A85C-209E-0F46-A8C2-B7FC46DE2915}" destId="{DC4FF995-6F73-0A4F-BA1B-DCED01DA3F14}" srcOrd="0" destOrd="0" presId="urn:microsoft.com/office/officeart/2005/8/layout/process1"/>
+    <dgm:cxn modelId="{CBB6BEE1-8B5F-E942-8690-E0ADC6DEB8CE}" type="presParOf" srcId="{B85BE1CF-6A88-D545-B6D3-5E9F6CDA40C1}" destId="{167A35ED-AD00-3D4C-9FB8-948CB54241A4}" srcOrd="10" destOrd="0" presId="urn:microsoft.com/office/officeart/2005/8/layout/process1"/>
   </dgm:cxnLst>
   <dgm:bg/>
   <dgm:whole/>
@@ -1304,15 +1369,15 @@
       <dsp:cNvGrpSpPr/>
     </dsp:nvGrpSpPr>
     <dsp:grpSpPr/>
-    <dsp:sp modelId="{6108ACCB-5006-4B47-90CB-FCEF7A157033}">
+    <dsp:sp modelId="{A1785405-D19C-BA4F-BF50-6220E6BB14E6}">
       <dsp:nvSpPr>
         <dsp:cNvPr id="0" name=""/>
         <dsp:cNvSpPr/>
       </dsp:nvSpPr>
       <dsp:spPr>
         <a:xfrm>
-          <a:off x="4324" y="2308968"/>
-          <a:ext cx="1340668" cy="879813"/>
+          <a:off x="3042" y="2536067"/>
+          <a:ext cx="913242" cy="704173"/>
         </a:xfrm>
         <a:prstGeom prst="roundRect">
           <a:avLst>
@@ -1357,12 +1422,12 @@
         </a:fontRef>
       </dsp:style>
       <dsp:txBody>
-        <a:bodyPr spcFirstLastPara="0" vert="horz" wrap="square" lIns="49530" tIns="49530" rIns="49530" bIns="49530" numCol="1" spcCol="1270" anchor="ctr" anchorCtr="0">
+        <a:bodyPr spcFirstLastPara="0" vert="horz" wrap="square" lIns="41910" tIns="41910" rIns="41910" bIns="41910" numCol="1" spcCol="1270" anchor="ctr" anchorCtr="0">
           <a:noAutofit/>
         </a:bodyPr>
         <a:lstStyle/>
         <a:p>
-          <a:pPr marL="0" lvl="0" indent="0" algn="ctr" defTabSz="577850">
+          <a:pPr marL="0" lvl="0" indent="0" algn="ctr" defTabSz="466725">
             <a:lnSpc>
               <a:spcPct val="90000"/>
             </a:lnSpc>
@@ -1375,31 +1440,26 @@
             <a:buNone/>
           </a:pPr>
           <a:r>
-            <a:rPr lang="en-US" altLang="zh-TW" sz="1300" kern="1200" dirty="0">
-              <a:latin typeface="Roboto" pitchFamily="2" charset="0"/>
-              <a:ea typeface="Roboto" pitchFamily="2" charset="0"/>
-            </a:rPr>
-            <a:t>RFM and other features </a:t>
+            <a:rPr lang="en-US" altLang="zh-TW" sz="1050" kern="1200"/>
+            <a:t>Transaction dataset</a:t>
           </a:r>
-          <a:endParaRPr lang="zh-TW" altLang="en-US" sz="1300" kern="1200" dirty="0">
-            <a:latin typeface="Roboto" pitchFamily="2" charset="0"/>
-          </a:endParaRPr>
+          <a:endParaRPr lang="zh-TW" altLang="en-US" sz="1050" kern="1200" dirty="0"/>
         </a:p>
       </dsp:txBody>
       <dsp:txXfrm>
-        <a:off x="30093" y="2334737"/>
-        <a:ext cx="1289130" cy="828275"/>
+        <a:off x="23667" y="2556692"/>
+        <a:ext cx="871992" cy="662923"/>
       </dsp:txXfrm>
     </dsp:sp>
-    <dsp:sp modelId="{79370EED-940F-164C-A67C-7FE6869DB0A6}">
+    <dsp:sp modelId="{2071F1C3-43C9-1F46-957C-EE15209008C5}">
       <dsp:nvSpPr>
         <dsp:cNvPr id="0" name=""/>
         <dsp:cNvSpPr/>
       </dsp:nvSpPr>
       <dsp:spPr>
         <a:xfrm>
-          <a:off x="1479059" y="2582632"/>
-          <a:ext cx="284221" cy="332485"/>
+          <a:off x="1033646" y="2742625"/>
+          <a:ext cx="248807" cy="291058"/>
         </a:xfrm>
         <a:prstGeom prst="rightArrow">
           <a:avLst>
@@ -1441,7 +1501,7 @@
         </a:bodyPr>
         <a:lstStyle/>
         <a:p>
-          <a:pPr marL="0" lvl="0" indent="0" algn="ctr" defTabSz="488950">
+          <a:pPr marL="0" lvl="0" indent="0" algn="ctr" defTabSz="466725">
             <a:lnSpc>
               <a:spcPct val="90000"/>
             </a:lnSpc>
@@ -1453,25 +1513,23 @@
             </a:spcAft>
             <a:buNone/>
           </a:pPr>
-          <a:endParaRPr lang="zh-TW" altLang="en-US" sz="1100" kern="1200">
-            <a:latin typeface="Roboto" pitchFamily="2" charset="0"/>
-          </a:endParaRPr>
+          <a:endParaRPr lang="zh-TW" altLang="en-US" sz="1050" kern="1200"/>
         </a:p>
       </dsp:txBody>
       <dsp:txXfrm>
-        <a:off x="1479059" y="2649129"/>
-        <a:ext cx="198955" cy="199491"/>
+        <a:off x="1033646" y="2800837"/>
+        <a:ext cx="174165" cy="174634"/>
       </dsp:txXfrm>
     </dsp:sp>
-    <dsp:sp modelId="{7586E298-E4D7-BB40-9141-8CA4F688A7C1}">
+    <dsp:sp modelId="{6108ACCB-5006-4B47-90CB-FCEF7A157033}">
       <dsp:nvSpPr>
         <dsp:cNvPr id="0" name=""/>
         <dsp:cNvSpPr/>
       </dsp:nvSpPr>
       <dsp:spPr>
         <a:xfrm>
-          <a:off x="1881260" y="2308968"/>
-          <a:ext cx="1340668" cy="879813"/>
+          <a:off x="1385733" y="2536067"/>
+          <a:ext cx="1173621" cy="704173"/>
         </a:xfrm>
         <a:prstGeom prst="roundRect">
           <a:avLst>
@@ -1516,12 +1574,12 @@
         </a:fontRef>
       </dsp:style>
       <dsp:txBody>
-        <a:bodyPr spcFirstLastPara="0" vert="horz" wrap="square" lIns="49530" tIns="49530" rIns="49530" bIns="49530" numCol="1" spcCol="1270" anchor="ctr" anchorCtr="0">
+        <a:bodyPr spcFirstLastPara="0" vert="horz" wrap="square" lIns="41910" tIns="41910" rIns="41910" bIns="41910" numCol="1" spcCol="1270" anchor="ctr" anchorCtr="0">
           <a:noAutofit/>
         </a:bodyPr>
         <a:lstStyle/>
         <a:p>
-          <a:pPr marL="0" lvl="0" indent="0" algn="ctr" defTabSz="577850">
+          <a:pPr marL="0" lvl="0" indent="0" algn="ctr" defTabSz="466725">
             <a:lnSpc>
               <a:spcPct val="90000"/>
             </a:lnSpc>
@@ -1534,31 +1592,31 @@
             <a:buNone/>
           </a:pPr>
           <a:r>
-            <a:rPr lang="en-US" altLang="zh-TW" sz="1300" kern="1200" dirty="0">
+            <a:rPr lang="en-US" altLang="zh-TW" sz="1050" kern="1200" dirty="0">
               <a:latin typeface="Roboto" pitchFamily="2" charset="0"/>
               <a:ea typeface="Roboto" pitchFamily="2" charset="0"/>
             </a:rPr>
-            <a:t>Individual data of existing customers       </a:t>
+            <a:t>Individual-based data with RFM and other features </a:t>
           </a:r>
-          <a:endParaRPr lang="zh-TW" altLang="en-US" sz="1300" kern="1200" dirty="0">
+          <a:endParaRPr lang="zh-TW" altLang="en-US" sz="1050" kern="1200" dirty="0">
             <a:latin typeface="Roboto" pitchFamily="2" charset="0"/>
           </a:endParaRPr>
         </a:p>
       </dsp:txBody>
       <dsp:txXfrm>
-        <a:off x="1907029" y="2334737"/>
-        <a:ext cx="1289130" cy="828275"/>
+        <a:off x="1406358" y="2556692"/>
+        <a:ext cx="1132371" cy="662923"/>
       </dsp:txXfrm>
     </dsp:sp>
-    <dsp:sp modelId="{CD013E09-A94F-C041-8B7B-335083B0E684}">
+    <dsp:sp modelId="{79370EED-940F-164C-A67C-7FE6869DB0A6}">
       <dsp:nvSpPr>
         <dsp:cNvPr id="0" name=""/>
         <dsp:cNvSpPr/>
       </dsp:nvSpPr>
       <dsp:spPr>
-        <a:xfrm rot="20485556">
-          <a:off x="3343495" y="2268021"/>
-          <a:ext cx="288697" cy="332485"/>
+        <a:xfrm>
+          <a:off x="2676717" y="2742625"/>
+          <a:ext cx="248807" cy="291058"/>
         </a:xfrm>
         <a:prstGeom prst="rightArrow">
           <a:avLst>
@@ -1600,7 +1658,7 @@
         </a:bodyPr>
         <a:lstStyle/>
         <a:p>
-          <a:pPr marL="0" lvl="0" indent="0" algn="ctr" defTabSz="488950">
+          <a:pPr marL="0" lvl="0" indent="0" algn="ctr" defTabSz="466725">
             <a:lnSpc>
               <a:spcPct val="90000"/>
             </a:lnSpc>
@@ -1612,25 +1670,25 @@
             </a:spcAft>
             <a:buNone/>
           </a:pPr>
-          <a:endParaRPr lang="zh-TW" altLang="en-US" sz="1100" kern="1200">
+          <a:endParaRPr lang="zh-TW" altLang="en-US" sz="1050" kern="1200">
             <a:latin typeface="Roboto" pitchFamily="2" charset="0"/>
           </a:endParaRPr>
         </a:p>
       </dsp:txBody>
       <dsp:txXfrm>
-        <a:off x="3345751" y="2348312"/>
-        <a:ext cx="202088" cy="199491"/>
+        <a:off x="2676717" y="2800837"/>
+        <a:ext cx="174165" cy="174634"/>
       </dsp:txXfrm>
     </dsp:sp>
-    <dsp:sp modelId="{109B0FC4-CB13-C242-8EF2-75CB2FCA4B39}">
+    <dsp:sp modelId="{7586E298-E4D7-BB40-9141-8CA4F688A7C1}">
       <dsp:nvSpPr>
         <dsp:cNvPr id="0" name=""/>
         <dsp:cNvSpPr/>
       </dsp:nvSpPr>
       <dsp:spPr>
         <a:xfrm>
-          <a:off x="3738268" y="1684952"/>
-          <a:ext cx="1340668" cy="879813"/>
+          <a:off x="3028804" y="2536067"/>
+          <a:ext cx="1024278" cy="704173"/>
         </a:xfrm>
         <a:prstGeom prst="roundRect">
           <a:avLst>
@@ -1675,12 +1733,12 @@
         </a:fontRef>
       </dsp:style>
       <dsp:txBody>
-        <a:bodyPr spcFirstLastPara="0" vert="horz" wrap="square" lIns="49530" tIns="49530" rIns="49530" bIns="49530" numCol="1" spcCol="1270" anchor="ctr" anchorCtr="0">
+        <a:bodyPr spcFirstLastPara="0" vert="horz" wrap="square" lIns="41910" tIns="41910" rIns="41910" bIns="41910" numCol="1" spcCol="1270" anchor="ctr" anchorCtr="0">
           <a:noAutofit/>
         </a:bodyPr>
         <a:lstStyle/>
         <a:p>
-          <a:pPr marL="0" lvl="0" indent="0" algn="ctr" defTabSz="577850">
+          <a:pPr marL="0" lvl="0" indent="0" algn="ctr" defTabSz="466725">
             <a:lnSpc>
               <a:spcPct val="90000"/>
             </a:lnSpc>
@@ -1693,53 +1751,31 @@
             <a:buNone/>
           </a:pPr>
           <a:r>
-            <a:rPr lang="en-US" altLang="zh-TW" sz="1300" kern="1200" dirty="0">
+            <a:rPr lang="en-US" altLang="zh-TW" sz="1050" kern="1200" dirty="0">
               <a:latin typeface="Roboto" pitchFamily="2" charset="0"/>
               <a:ea typeface="Roboto" pitchFamily="2" charset="0"/>
             </a:rPr>
-            <a:t>Multiple linear regression </a:t>
+            <a:t>Old customers data       </a:t>
           </a:r>
-        </a:p>
-        <a:p>
-          <a:pPr marL="0" lvl="0" indent="0" algn="ctr" defTabSz="577850">
-            <a:lnSpc>
-              <a:spcPct val="90000"/>
-            </a:lnSpc>
-            <a:spcBef>
-              <a:spcPct val="0"/>
-            </a:spcBef>
-            <a:spcAft>
-              <a:spcPct val="35000"/>
-            </a:spcAft>
-            <a:buNone/>
-          </a:pPr>
-          <a:r>
-            <a:rPr lang="en-US" altLang="zh-TW" sz="1300" kern="1200" dirty="0">
-              <a:latin typeface="Roboto" pitchFamily="2" charset="0"/>
-              <a:ea typeface="Roboto" pitchFamily="2" charset="0"/>
-              <a:sym typeface="Wingdings" pitchFamily="2" charset="2"/>
-            </a:rPr>
-            <a:t> RT Ratio</a:t>
-          </a:r>
-          <a:endParaRPr lang="zh-TW" altLang="en-US" sz="1300" kern="1200" dirty="0">
+          <a:endParaRPr lang="zh-TW" altLang="en-US" sz="1050" kern="1200" dirty="0">
             <a:latin typeface="Roboto" pitchFamily="2" charset="0"/>
           </a:endParaRPr>
         </a:p>
       </dsp:txBody>
       <dsp:txXfrm>
-        <a:off x="3764037" y="1710721"/>
-        <a:ext cx="1289130" cy="828275"/>
+        <a:off x="3049429" y="2556692"/>
+        <a:ext cx="983028" cy="662923"/>
       </dsp:txXfrm>
     </dsp:sp>
-    <dsp:sp modelId="{86498BF6-EF25-FD45-A2CF-79642824063E}">
+    <dsp:sp modelId="{CD013E09-A94F-C041-8B7B-335083B0E684}">
       <dsp:nvSpPr>
         <dsp:cNvPr id="0" name=""/>
         <dsp:cNvSpPr/>
       </dsp:nvSpPr>
       <dsp:spPr>
-        <a:xfrm rot="1092588">
-          <a:off x="5210215" y="2273368"/>
-          <a:ext cx="310324" cy="332485"/>
+        <a:xfrm rot="20529017">
+          <a:off x="4160026" y="2502744"/>
+          <a:ext cx="251676" cy="291058"/>
         </a:xfrm>
         <a:prstGeom prst="rightArrow">
           <a:avLst>
@@ -1781,7 +1817,7 @@
         </a:bodyPr>
         <a:lstStyle/>
         <a:p>
-          <a:pPr marL="0" lvl="0" indent="0" algn="ctr" defTabSz="488950">
+          <a:pPr marL="0" lvl="0" indent="0" algn="ctr" defTabSz="466725">
             <a:lnSpc>
               <a:spcPct val="90000"/>
             </a:lnSpc>
@@ -1793,25 +1829,25 @@
             </a:spcAft>
             <a:buNone/>
           </a:pPr>
-          <a:endParaRPr lang="zh-TW" altLang="en-US" sz="1100" kern="1200">
+          <a:endParaRPr lang="zh-TW" altLang="en-US" sz="1050" kern="1200">
             <a:latin typeface="Roboto" pitchFamily="2" charset="0"/>
           </a:endParaRPr>
         </a:p>
       </dsp:txBody>
       <dsp:txXfrm>
-        <a:off x="5212546" y="2325319"/>
-        <a:ext cx="217227" cy="199491"/>
+        <a:off x="4161843" y="2572528"/>
+        <a:ext cx="176173" cy="174634"/>
       </dsp:txXfrm>
     </dsp:sp>
-    <dsp:sp modelId="{F9AC160C-B49A-B943-A3E1-59EF29110819}">
+    <dsp:sp modelId="{109B0FC4-CB13-C242-8EF2-75CB2FCA4B39}">
       <dsp:nvSpPr>
         <dsp:cNvPr id="0" name=""/>
         <dsp:cNvSpPr/>
       </dsp:nvSpPr>
       <dsp:spPr>
         <a:xfrm>
-          <a:off x="5635132" y="2308968"/>
-          <a:ext cx="1340668" cy="879813"/>
+          <a:off x="4505086" y="2036626"/>
+          <a:ext cx="1173621" cy="704173"/>
         </a:xfrm>
         <a:prstGeom prst="roundRect">
           <a:avLst>
@@ -1856,12 +1892,12 @@
         </a:fontRef>
       </dsp:style>
       <dsp:txBody>
-        <a:bodyPr spcFirstLastPara="0" vert="horz" wrap="square" lIns="49530" tIns="49530" rIns="49530" bIns="49530" numCol="1" spcCol="1270" anchor="ctr" anchorCtr="0">
+        <a:bodyPr spcFirstLastPara="0" vert="horz" wrap="square" lIns="41910" tIns="41910" rIns="41910" bIns="41910" numCol="1" spcCol="1270" anchor="ctr" anchorCtr="0">
           <a:noAutofit/>
         </a:bodyPr>
         <a:lstStyle/>
         <a:p>
-          <a:pPr marL="0" lvl="0" indent="0" algn="ctr" defTabSz="577850">
+          <a:pPr marL="0" lvl="0" indent="0" algn="ctr" defTabSz="466725">
             <a:lnSpc>
               <a:spcPct val="90000"/>
             </a:lnSpc>
@@ -1874,31 +1910,53 @@
             <a:buNone/>
           </a:pPr>
           <a:r>
-            <a:rPr lang="en-US" altLang="zh-TW" sz="1300" kern="1200" dirty="0">
+            <a:rPr lang="en-US" altLang="zh-TW" sz="1050" kern="1200" dirty="0">
               <a:latin typeface="Roboto" pitchFamily="2" charset="0"/>
               <a:ea typeface="Roboto" pitchFamily="2" charset="0"/>
             </a:rPr>
-            <a:t>The probability of new customers being alive</a:t>
+            <a:t>Multiple linear regression </a:t>
           </a:r>
-          <a:endParaRPr lang="zh-TW" altLang="en-US" sz="1300" kern="1200" dirty="0">
+        </a:p>
+        <a:p>
+          <a:pPr marL="0" lvl="0" indent="0" algn="ctr" defTabSz="466725">
+            <a:lnSpc>
+              <a:spcPct val="90000"/>
+            </a:lnSpc>
+            <a:spcBef>
+              <a:spcPct val="0"/>
+            </a:spcBef>
+            <a:spcAft>
+              <a:spcPct val="35000"/>
+            </a:spcAft>
+            <a:buNone/>
+          </a:pPr>
+          <a:r>
+            <a:rPr lang="en-US" altLang="zh-TW" sz="1050" kern="1200" dirty="0">
+              <a:latin typeface="Roboto" pitchFamily="2" charset="0"/>
+              <a:ea typeface="Roboto" pitchFamily="2" charset="0"/>
+              <a:sym typeface="Wingdings" pitchFamily="2" charset="2"/>
+            </a:rPr>
+            <a:t> RT Ratio</a:t>
+          </a:r>
+          <a:endParaRPr lang="zh-TW" altLang="en-US" sz="1050" kern="1200" dirty="0">
             <a:latin typeface="Roboto" pitchFamily="2" charset="0"/>
           </a:endParaRPr>
         </a:p>
       </dsp:txBody>
       <dsp:txXfrm>
-        <a:off x="5660901" y="2334737"/>
-        <a:ext cx="1289130" cy="828275"/>
+        <a:off x="4525711" y="2057251"/>
+        <a:ext cx="1132371" cy="662923"/>
       </dsp:txXfrm>
     </dsp:sp>
-    <dsp:sp modelId="{9414A85C-209E-0F46-A8C2-B7FC46DE2915}">
+    <dsp:sp modelId="{86498BF6-EF25-FD45-A2CF-79642824063E}">
       <dsp:nvSpPr>
         <dsp:cNvPr id="0" name=""/>
         <dsp:cNvSpPr/>
       </dsp:nvSpPr>
       <dsp:spPr>
-        <a:xfrm>
-          <a:off x="7109867" y="2582632"/>
-          <a:ext cx="284221" cy="332485"/>
+        <a:xfrm rot="1004399">
+          <a:off x="5794721" y="2495101"/>
+          <a:ext cx="269473" cy="291058"/>
         </a:xfrm>
         <a:prstGeom prst="rightArrow">
           <a:avLst>
@@ -1940,7 +1998,7 @@
         </a:bodyPr>
         <a:lstStyle/>
         <a:p>
-          <a:pPr marL="0" lvl="0" indent="0" algn="ctr" defTabSz="488950">
+          <a:pPr marL="0" lvl="0" indent="0" algn="ctr" defTabSz="466725">
             <a:lnSpc>
               <a:spcPct val="90000"/>
             </a:lnSpc>
@@ -1952,25 +2010,25 @@
             </a:spcAft>
             <a:buNone/>
           </a:pPr>
-          <a:endParaRPr lang="zh-TW" altLang="en-US" sz="1100" kern="1200">
+          <a:endParaRPr lang="zh-TW" altLang="en-US" sz="1050" kern="1200">
             <a:latin typeface="Roboto" pitchFamily="2" charset="0"/>
           </a:endParaRPr>
         </a:p>
       </dsp:txBody>
       <dsp:txXfrm>
-        <a:off x="7109867" y="2649129"/>
-        <a:ext cx="198955" cy="199491"/>
+        <a:off x="5796434" y="2541671"/>
+        <a:ext cx="188631" cy="174634"/>
       </dsp:txXfrm>
     </dsp:sp>
-    <dsp:sp modelId="{167A35ED-AD00-3D4C-9FB8-948CB54241A4}">
+    <dsp:sp modelId="{F9AC160C-B49A-B943-A3E1-59EF29110819}">
       <dsp:nvSpPr>
         <dsp:cNvPr id="0" name=""/>
         <dsp:cNvSpPr/>
       </dsp:nvSpPr>
       <dsp:spPr>
         <a:xfrm>
-          <a:off x="7512067" y="2308968"/>
-          <a:ext cx="1340668" cy="879813"/>
+          <a:off x="6165601" y="2536067"/>
+          <a:ext cx="1173621" cy="704173"/>
         </a:xfrm>
         <a:prstGeom prst="roundRect">
           <a:avLst>
@@ -2015,12 +2073,12 @@
         </a:fontRef>
       </dsp:style>
       <dsp:txBody>
-        <a:bodyPr spcFirstLastPara="0" vert="horz" wrap="square" lIns="49530" tIns="49530" rIns="49530" bIns="49530" numCol="1" spcCol="1270" anchor="ctr" anchorCtr="0">
+        <a:bodyPr spcFirstLastPara="0" vert="horz" wrap="square" lIns="41910" tIns="41910" rIns="41910" bIns="41910" numCol="1" spcCol="1270" anchor="ctr" anchorCtr="0">
           <a:noAutofit/>
         </a:bodyPr>
         <a:lstStyle/>
         <a:p>
-          <a:pPr marL="0" lvl="0" indent="0" algn="ctr" defTabSz="577850">
+          <a:pPr marL="0" lvl="0" indent="0" algn="ctr" defTabSz="466725">
             <a:lnSpc>
               <a:spcPct val="90000"/>
             </a:lnSpc>
@@ -2033,20 +2091,179 @@
             <a:buNone/>
           </a:pPr>
           <a:r>
-            <a:rPr lang="en-US" altLang="zh-TW" sz="1300" kern="1200" dirty="0">
+            <a:rPr lang="en-US" altLang="zh-TW" sz="1050" kern="1200" dirty="0">
+              <a:latin typeface="Roboto" pitchFamily="2" charset="0"/>
+              <a:ea typeface="Roboto" pitchFamily="2" charset="0"/>
+            </a:rPr>
+            <a:t>The probability of new customers being alive</a:t>
+          </a:r>
+          <a:endParaRPr lang="zh-TW" altLang="en-US" sz="1050" kern="1200" dirty="0">
+            <a:latin typeface="Roboto" pitchFamily="2" charset="0"/>
+          </a:endParaRPr>
+        </a:p>
+      </dsp:txBody>
+      <dsp:txXfrm>
+        <a:off x="6186226" y="2556692"/>
+        <a:ext cx="1132371" cy="662923"/>
+      </dsp:txXfrm>
+    </dsp:sp>
+    <dsp:sp modelId="{9414A85C-209E-0F46-A8C2-B7FC46DE2915}">
+      <dsp:nvSpPr>
+        <dsp:cNvPr id="0" name=""/>
+        <dsp:cNvSpPr/>
+      </dsp:nvSpPr>
+      <dsp:spPr>
+        <a:xfrm>
+          <a:off x="7456586" y="2742625"/>
+          <a:ext cx="248807" cy="291058"/>
+        </a:xfrm>
+        <a:prstGeom prst="rightArrow">
+          <a:avLst>
+            <a:gd name="adj1" fmla="val 60000"/>
+            <a:gd name="adj2" fmla="val 50000"/>
+          </a:avLst>
+        </a:prstGeom>
+        <a:solidFill>
+          <a:schemeClr val="dk2">
+            <a:tint val="60000"/>
+            <a:hueOff val="0"/>
+            <a:satOff val="0"/>
+            <a:lumOff val="0"/>
+            <a:alphaOff val="0"/>
+          </a:schemeClr>
+        </a:solidFill>
+        <a:ln>
+          <a:noFill/>
+        </a:ln>
+        <a:effectLst/>
+      </dsp:spPr>
+      <dsp:style>
+        <a:lnRef idx="0">
+          <a:scrgbClr r="0" g="0" b="0"/>
+        </a:lnRef>
+        <a:fillRef idx="1">
+          <a:scrgbClr r="0" g="0" b="0"/>
+        </a:fillRef>
+        <a:effectRef idx="0">
+          <a:scrgbClr r="0" g="0" b="0"/>
+        </a:effectRef>
+        <a:fontRef idx="minor">
+          <a:schemeClr val="lt1"/>
+        </a:fontRef>
+      </dsp:style>
+      <dsp:txBody>
+        <a:bodyPr spcFirstLastPara="0" vert="horz" wrap="square" lIns="0" tIns="0" rIns="0" bIns="0" numCol="1" spcCol="1270" anchor="ctr" anchorCtr="0">
+          <a:noAutofit/>
+        </a:bodyPr>
+        <a:lstStyle/>
+        <a:p>
+          <a:pPr marL="0" lvl="0" indent="0" algn="ctr" defTabSz="466725">
+            <a:lnSpc>
+              <a:spcPct val="90000"/>
+            </a:lnSpc>
+            <a:spcBef>
+              <a:spcPct val="0"/>
+            </a:spcBef>
+            <a:spcAft>
+              <a:spcPct val="35000"/>
+            </a:spcAft>
+            <a:buNone/>
+          </a:pPr>
+          <a:endParaRPr lang="zh-TW" altLang="en-US" sz="1050" kern="1200">
+            <a:latin typeface="Roboto" pitchFamily="2" charset="0"/>
+          </a:endParaRPr>
+        </a:p>
+      </dsp:txBody>
+      <dsp:txXfrm>
+        <a:off x="7456586" y="2800837"/>
+        <a:ext cx="174165" cy="174634"/>
+      </dsp:txXfrm>
+    </dsp:sp>
+    <dsp:sp modelId="{167A35ED-AD00-3D4C-9FB8-948CB54241A4}">
+      <dsp:nvSpPr>
+        <dsp:cNvPr id="0" name=""/>
+        <dsp:cNvSpPr/>
+      </dsp:nvSpPr>
+      <dsp:spPr>
+        <a:xfrm>
+          <a:off x="7808672" y="2536067"/>
+          <a:ext cx="1173621" cy="704173"/>
+        </a:xfrm>
+        <a:prstGeom prst="roundRect">
+          <a:avLst>
+            <a:gd name="adj" fmla="val 10000"/>
+          </a:avLst>
+        </a:prstGeom>
+        <a:solidFill>
+          <a:schemeClr val="lt1">
+            <a:hueOff val="0"/>
+            <a:satOff val="0"/>
+            <a:lumOff val="0"/>
+            <a:alphaOff val="0"/>
+          </a:schemeClr>
+        </a:solidFill>
+        <a:ln w="12700" cap="flat" cmpd="sng" algn="ctr">
+          <a:solidFill>
+            <a:schemeClr val="dk2">
+              <a:shade val="80000"/>
+              <a:hueOff val="0"/>
+              <a:satOff val="0"/>
+              <a:lumOff val="0"/>
+              <a:alphaOff val="0"/>
+            </a:schemeClr>
+          </a:solidFill>
+          <a:prstDash val="solid"/>
+          <a:miter lim="800000"/>
+        </a:ln>
+        <a:effectLst/>
+      </dsp:spPr>
+      <dsp:style>
+        <a:lnRef idx="2">
+          <a:scrgbClr r="0" g="0" b="0"/>
+        </a:lnRef>
+        <a:fillRef idx="1">
+          <a:scrgbClr r="0" g="0" b="0"/>
+        </a:fillRef>
+        <a:effectRef idx="0">
+          <a:scrgbClr r="0" g="0" b="0"/>
+        </a:effectRef>
+        <a:fontRef idx="minor">
+          <a:schemeClr val="lt1"/>
+        </a:fontRef>
+      </dsp:style>
+      <dsp:txBody>
+        <a:bodyPr spcFirstLastPara="0" vert="horz" wrap="square" lIns="41910" tIns="41910" rIns="41910" bIns="41910" numCol="1" spcCol="1270" anchor="ctr" anchorCtr="0">
+          <a:noAutofit/>
+        </a:bodyPr>
+        <a:lstStyle/>
+        <a:p>
+          <a:pPr marL="0" lvl="0" indent="0" algn="ctr" defTabSz="466725">
+            <a:lnSpc>
+              <a:spcPct val="90000"/>
+            </a:lnSpc>
+            <a:spcBef>
+              <a:spcPct val="0"/>
+            </a:spcBef>
+            <a:spcAft>
+              <a:spcPct val="35000"/>
+            </a:spcAft>
+            <a:buNone/>
+          </a:pPr>
+          <a:r>
+            <a:rPr lang="en-US" altLang="zh-TW" sz="1050" kern="1200" dirty="0">
               <a:latin typeface="Roboto" pitchFamily="2" charset="0"/>
               <a:ea typeface="Roboto" pitchFamily="2" charset="0"/>
             </a:rPr>
             <a:t>The priority of marketing communication</a:t>
           </a:r>
-          <a:endParaRPr lang="zh-TW" altLang="en-US" sz="1300" kern="1200" dirty="0">
+          <a:endParaRPr lang="zh-TW" altLang="en-US" sz="1050" kern="1200" dirty="0">
             <a:latin typeface="Roboto" pitchFamily="2" charset="0"/>
           </a:endParaRPr>
         </a:p>
       </dsp:txBody>
       <dsp:txXfrm>
-        <a:off x="7537836" y="2334737"/>
-        <a:ext cx="1289130" cy="828275"/>
+        <a:off x="7829297" y="2556692"/>
+        <a:ext cx="1132371" cy="662923"/>
       </dsp:txXfrm>
     </dsp:sp>
   </dsp:spTree>
@@ -6440,14 +6657,14 @@
           <p:nvPr>
             <p:extLst>
               <p:ext uri="{D42A27DB-BD31-4B8C-83A1-F6EECF244321}">
-                <p14:modId xmlns:p14="http://schemas.microsoft.com/office/powerpoint/2010/main" val="4249890501"/>
+                <p14:modId xmlns:p14="http://schemas.microsoft.com/office/powerpoint/2010/main" val="1251547349"/>
               </p:ext>
             </p:extLst>
           </p:nvPr>
         </p:nvGraphicFramePr>
         <p:xfrm>
-          <a:off x="1686248" y="667522"/>
-          <a:ext cx="8857061" cy="5497751"/>
+          <a:off x="1836854" y="646007"/>
+          <a:ext cx="8985337" cy="5776309"/>
         </p:xfrm>
         <a:graphic>
           <a:graphicData uri="http://schemas.openxmlformats.org/drawingml/2006/diagram">
@@ -6469,8 +6686,8 @@
         </p:nvGrpSpPr>
         <p:grpSpPr>
           <a:xfrm>
-            <a:off x="5424517" y="3430229"/>
-            <a:ext cx="1340668" cy="951691"/>
+            <a:off x="6329523" y="3726787"/>
+            <a:ext cx="1233104" cy="662333"/>
             <a:chOff x="3748736" y="1804873"/>
             <a:chExt cx="1340668" cy="951691"/>
           </a:xfrm>
@@ -6593,13 +6810,13 @@
                 <a:buNone/>
               </a:pPr>
               <a:r>
-                <a:rPr lang="en-US" altLang="zh-TW" sz="1300" dirty="0">
+                <a:rPr lang="en-US" altLang="zh-TW" sz="1000" dirty="0">
                   <a:latin typeface="Roboto" pitchFamily="2" charset="0"/>
                   <a:ea typeface="Roboto" pitchFamily="2" charset="0"/>
                 </a:rPr>
                 <a:t>Generalized Linear Regression</a:t>
               </a:r>
-              <a:endParaRPr lang="en-US" altLang="zh-TW" sz="1300" kern="1200" dirty="0">
+              <a:endParaRPr lang="en-US" altLang="zh-TW" sz="1000" kern="1200" dirty="0">
                 <a:latin typeface="Roboto" pitchFamily="2" charset="0"/>
                 <a:ea typeface="Roboto" pitchFamily="2" charset="0"/>
               </a:endParaRPr>
@@ -6618,7 +6835,7 @@
                 <a:buNone/>
               </a:pPr>
               <a:r>
-                <a:rPr lang="en-US" altLang="zh-TW" sz="1300" kern="1200" dirty="0">
+                <a:rPr lang="en-US" altLang="zh-TW" sz="1000" kern="1200" dirty="0">
                   <a:latin typeface="Roboto" pitchFamily="2" charset="0"/>
                   <a:ea typeface="Roboto" pitchFamily="2" charset="0"/>
                   <a:sym typeface="Wingdings" pitchFamily="2" charset="2"/>
@@ -6626,14 +6843,14 @@
                 <a:t> </a:t>
               </a:r>
               <a:r>
-                <a:rPr lang="en-US" altLang="zh-TW" sz="1300" dirty="0">
+                <a:rPr lang="en-US" altLang="zh-TW" sz="1000" dirty="0">
                   <a:latin typeface="Roboto" pitchFamily="2" charset="0"/>
                   <a:ea typeface="Roboto" pitchFamily="2" charset="0"/>
                   <a:sym typeface="Wingdings" pitchFamily="2" charset="2"/>
                 </a:rPr>
                 <a:t>P(Alive)</a:t>
               </a:r>
-              <a:endParaRPr lang="zh-TW" altLang="en-US" sz="1300" kern="1200" dirty="0">
+              <a:endParaRPr lang="zh-TW" altLang="en-US" sz="1000" kern="1200" dirty="0">
                 <a:latin typeface="Roboto" pitchFamily="2" charset="0"/>
               </a:endParaRPr>
             </a:p>
@@ -6642,10 +6859,10 @@
       </p:grpSp>
       <p:grpSp>
         <p:nvGrpSpPr>
-          <p:cNvPr id="9" name="群組 8">
+          <p:cNvPr id="15" name="群組 14">
             <a:extLst>
               <a:ext uri="{FF2B5EF4-FFF2-40B4-BE49-F238E27FC236}">
-                <a16:creationId xmlns:a16="http://schemas.microsoft.com/office/drawing/2014/main" id="{0CFAEF1B-439A-CD45-975C-DF175308F2D8}"/>
+                <a16:creationId xmlns:a16="http://schemas.microsoft.com/office/drawing/2014/main" id="{A439DD04-AF7D-384D-9DB5-05F3B7E70689}"/>
               </a:ext>
             </a:extLst>
           </p:cNvPr>
@@ -6654,18 +6871,18 @@
         </p:nvGrpSpPr>
         <p:grpSpPr>
           <a:xfrm>
-            <a:off x="5090852" y="3549089"/>
-            <a:ext cx="298009" cy="332485"/>
-            <a:chOff x="5221449" y="2350586"/>
-            <a:chExt cx="298009" cy="332485"/>
+            <a:off x="6024170" y="3712779"/>
+            <a:ext cx="269473" cy="291058"/>
+            <a:chOff x="5794721" y="2495101"/>
+            <a:chExt cx="269473" cy="291058"/>
           </a:xfrm>
         </p:grpSpPr>
         <p:sp>
           <p:nvSpPr>
-            <p:cNvPr id="10" name="向右箭號 9">
+            <p:cNvPr id="16" name="向右箭號 15">
               <a:extLst>
                 <a:ext uri="{FF2B5EF4-FFF2-40B4-BE49-F238E27FC236}">
-                  <a16:creationId xmlns:a16="http://schemas.microsoft.com/office/drawing/2014/main" id="{B0424F96-6515-A747-BADC-65154DE937C1}"/>
+                  <a16:creationId xmlns:a16="http://schemas.microsoft.com/office/drawing/2014/main" id="{7CEFBAE9-B517-9C42-AE62-10A6BB60EC18}"/>
                 </a:ext>
               </a:extLst>
             </p:cNvPr>
@@ -6673,9 +6890,9 @@
             <p:nvPr/>
           </p:nvSpPr>
           <p:spPr>
-            <a:xfrm rot="836267">
-              <a:off x="5221449" y="2350586"/>
-              <a:ext cx="298009" cy="332485"/>
+            <a:xfrm rot="1004399">
+              <a:off x="5794721" y="2495101"/>
+              <a:ext cx="269473" cy="291058"/>
             </a:xfrm>
             <a:prstGeom prst="rightArrow">
               <a:avLst>
@@ -6724,10 +6941,10 @@
         </p:sp>
         <p:sp>
           <p:nvSpPr>
-            <p:cNvPr id="11" name="向右箭號 4">
+            <p:cNvPr id="17" name="向右箭號 4">
               <a:extLst>
                 <a:ext uri="{FF2B5EF4-FFF2-40B4-BE49-F238E27FC236}">
-                  <a16:creationId xmlns:a16="http://schemas.microsoft.com/office/drawing/2014/main" id="{76CDA23E-C83E-3F4C-8C66-4CCCB85D26FA}"/>
+                  <a16:creationId xmlns:a16="http://schemas.microsoft.com/office/drawing/2014/main" id="{C72842B8-363D-F145-B470-90E65BACA86A}"/>
                 </a:ext>
               </a:extLst>
             </p:cNvPr>
@@ -6735,9 +6952,9 @@
             <p:nvPr/>
           </p:nvSpPr>
           <p:spPr>
-            <a:xfrm rot="836267">
-              <a:off x="5222765" y="2406316"/>
-              <a:ext cx="208606" cy="199491"/>
+            <a:xfrm rot="1004399">
+              <a:off x="5796434" y="2541671"/>
+              <a:ext cx="188631" cy="174634"/>
             </a:xfrm>
             <a:prstGeom prst="rect">
               <a:avLst/>
@@ -6768,7 +6985,7 @@
             </a:bodyPr>
             <a:lstStyle/>
             <a:p>
-              <a:pPr marL="0" lvl="0" indent="0" algn="ctr" defTabSz="488950">
+              <a:pPr marL="0" lvl="0" indent="0" algn="ctr" defTabSz="466725">
                 <a:lnSpc>
                   <a:spcPct val="90000"/>
                 </a:lnSpc>
@@ -6780,7 +6997,7 @@
                 </a:spcAft>
                 <a:buNone/>
               </a:pPr>
-              <a:endParaRPr lang="zh-TW" altLang="en-US" sz="1100" kern="1200">
+              <a:endParaRPr lang="zh-TW" altLang="en-US" sz="1050" kern="1200">
                 <a:latin typeface="Roboto" pitchFamily="2" charset="0"/>
               </a:endParaRPr>
             </a:p>
@@ -6789,10 +7006,10 @@
       </p:grpSp>
       <p:grpSp>
         <p:nvGrpSpPr>
-          <p:cNvPr id="12" name="群組 11">
+          <p:cNvPr id="18" name="群組 17">
             <a:extLst>
               <a:ext uri="{FF2B5EF4-FFF2-40B4-BE49-F238E27FC236}">
-                <a16:creationId xmlns:a16="http://schemas.microsoft.com/office/drawing/2014/main" id="{686A781B-E38D-6845-9CF5-B2F4EFC8DD69}"/>
+                <a16:creationId xmlns:a16="http://schemas.microsoft.com/office/drawing/2014/main" id="{93F09CCD-7D53-C54A-892E-713CB6976751}"/>
               </a:ext>
             </a:extLst>
           </p:cNvPr>
@@ -6801,18 +7018,18 @@
         </p:nvGrpSpPr>
         <p:grpSpPr>
           <a:xfrm>
-            <a:off x="6919613" y="3499668"/>
-            <a:ext cx="291177" cy="332485"/>
-            <a:chOff x="3342255" y="2242319"/>
-            <a:chExt cx="291177" cy="332485"/>
+            <a:off x="7656483" y="3726787"/>
+            <a:ext cx="251676" cy="291058"/>
+            <a:chOff x="4160026" y="2502744"/>
+            <a:chExt cx="251676" cy="291058"/>
           </a:xfrm>
         </p:grpSpPr>
         <p:sp>
           <p:nvSpPr>
-            <p:cNvPr id="13" name="向右箭號 12">
+            <p:cNvPr id="19" name="向右箭號 18">
               <a:extLst>
                 <a:ext uri="{FF2B5EF4-FFF2-40B4-BE49-F238E27FC236}">
-                  <a16:creationId xmlns:a16="http://schemas.microsoft.com/office/drawing/2014/main" id="{EB8CD796-CE21-3948-B7F6-B8D6356624EA}"/>
+                  <a16:creationId xmlns:a16="http://schemas.microsoft.com/office/drawing/2014/main" id="{52BE790A-8B20-FD46-98D1-5E3597CDEFB2}"/>
                 </a:ext>
               </a:extLst>
             </p:cNvPr>
@@ -6820,9 +7037,9 @@
             <p:nvPr/>
           </p:nvSpPr>
           <p:spPr>
-            <a:xfrm rot="20401470">
-              <a:off x="3342255" y="2242319"/>
-              <a:ext cx="291177" cy="332485"/>
+            <a:xfrm rot="20529017">
+              <a:off x="4160026" y="2502744"/>
+              <a:ext cx="251676" cy="291058"/>
             </a:xfrm>
             <a:prstGeom prst="rightArrow">
               <a:avLst>
@@ -6871,10 +7088,10 @@
         </p:sp>
         <p:sp>
           <p:nvSpPr>
-            <p:cNvPr id="14" name="向右箭號 4">
+            <p:cNvPr id="20" name="向右箭號 4">
               <a:extLst>
                 <a:ext uri="{FF2B5EF4-FFF2-40B4-BE49-F238E27FC236}">
-                  <a16:creationId xmlns:a16="http://schemas.microsoft.com/office/drawing/2014/main" id="{255A60C4-6357-4645-BA2E-1B12626C245C}"/>
+                  <a16:creationId xmlns:a16="http://schemas.microsoft.com/office/drawing/2014/main" id="{E34B7383-FE9D-ED42-A4F4-380AFFE226BB}"/>
                 </a:ext>
               </a:extLst>
             </p:cNvPr>
@@ -6882,9 +7099,9 @@
             <p:nvPr/>
           </p:nvSpPr>
           <p:spPr>
-            <a:xfrm rot="20401470">
-              <a:off x="3344883" y="2323737"/>
-              <a:ext cx="203824" cy="199491"/>
+            <a:xfrm rot="20529017">
+              <a:off x="4161843" y="2572528"/>
+              <a:ext cx="176173" cy="174634"/>
             </a:xfrm>
             <a:prstGeom prst="rect">
               <a:avLst/>
@@ -6915,7 +7132,7 @@
             </a:bodyPr>
             <a:lstStyle/>
             <a:p>
-              <a:pPr marL="0" lvl="0" indent="0" algn="ctr" defTabSz="488950">
+              <a:pPr marL="0" lvl="0" indent="0" algn="ctr" defTabSz="466725">
                 <a:lnSpc>
                   <a:spcPct val="90000"/>
                 </a:lnSpc>
@@ -6927,7 +7144,7 @@
                 </a:spcAft>
                 <a:buNone/>
               </a:pPr>
-              <a:endParaRPr lang="zh-TW" altLang="en-US" sz="1100" kern="1200">
+              <a:endParaRPr lang="zh-TW" altLang="en-US" sz="1050" kern="1200">
                 <a:latin typeface="Roboto" pitchFamily="2" charset="0"/>
               </a:endParaRPr>
             </a:p>
